--- a/courses/ese6050-spring2026/lecture-slides/logistics.pptx
+++ b/courses/ese6050-spring2026/lecture-slides/logistics.pptx
@@ -219,7 +219,7 @@
           <a:p>
             <a:fld id="{344B7452-CBCE-544C-82C0-61A81034B8D9}" type="datetimeFigureOut">
               <a:rPr lang="en-US" smtClean="0"/>
-              <a:t>1/5/26</a:t>
+              <a:t>1/14/26</a:t>
             </a:fld>
             <a:endParaRPr lang="en-US"/>
           </a:p>
@@ -385,7 +385,7 @@
           <a:p>
             <a:fld id="{AE2B2B26-92A0-7541-B16F-52F5B57C465F}" type="datetimeFigureOut">
               <a:rPr lang="en-US" smtClean="0"/>
-              <a:t>1/5/26</a:t>
+              <a:t>1/14/26</a:t>
             </a:fld>
             <a:endParaRPr lang="en-US"/>
           </a:p>
@@ -1216,7 +1216,7 @@
           <a:p>
             <a:fld id="{7A455EB6-B941-5146-9952-DE44460C1C67}" type="datetime1">
               <a:rPr lang="en-US" smtClean="0"/>
-              <a:t>1/5/26</a:t>
+              <a:t>1/14/26</a:t>
             </a:fld>
             <a:endParaRPr lang="en-US"/>
           </a:p>
@@ -1384,7 +1384,7 @@
           <a:p>
             <a:fld id="{53882CAB-4B72-8D4D-85F5-0CF3179D56D1}" type="datetime1">
               <a:rPr lang="en-US" smtClean="0"/>
-              <a:t>1/5/26</a:t>
+              <a:t>1/14/26</a:t>
             </a:fld>
             <a:endParaRPr lang="en-US"/>
           </a:p>
@@ -1562,7 +1562,7 @@
           <a:p>
             <a:fld id="{8C818920-949E-B948-ABEB-042404D19519}" type="datetime1">
               <a:rPr lang="en-US" smtClean="0"/>
-              <a:t>1/5/26</a:t>
+              <a:t>1/14/26</a:t>
             </a:fld>
             <a:endParaRPr lang="en-US"/>
           </a:p>
@@ -1730,7 +1730,7 @@
           <a:p>
             <a:fld id="{6B553EA3-B833-5F45-A6C4-754918BD43F4}" type="datetime1">
               <a:rPr lang="en-US" smtClean="0"/>
-              <a:t>1/5/26</a:t>
+              <a:t>1/14/26</a:t>
             </a:fld>
             <a:endParaRPr lang="en-US"/>
           </a:p>
@@ -1975,7 +1975,7 @@
           <a:p>
             <a:fld id="{177919A0-3E44-0548-BA9C-C1DA0DE76F12}" type="datetime1">
               <a:rPr lang="en-US" smtClean="0"/>
-              <a:t>1/5/26</a:t>
+              <a:t>1/14/26</a:t>
             </a:fld>
             <a:endParaRPr lang="en-US"/>
           </a:p>
@@ -2260,7 +2260,7 @@
           <a:p>
             <a:fld id="{EF2B5C21-338A-E04E-AF9D-55B1D5896A2D}" type="datetime1">
               <a:rPr lang="en-US" smtClean="0"/>
-              <a:t>1/5/26</a:t>
+              <a:t>1/14/26</a:t>
             </a:fld>
             <a:endParaRPr lang="en-US"/>
           </a:p>
@@ -2679,7 +2679,7 @@
           <a:p>
             <a:fld id="{6C1BD589-BA7F-F345-8847-B5AAE90B0CE1}" type="datetime1">
               <a:rPr lang="en-US" smtClean="0"/>
-              <a:t>1/5/26</a:t>
+              <a:t>1/14/26</a:t>
             </a:fld>
             <a:endParaRPr lang="en-US"/>
           </a:p>
@@ -2796,7 +2796,7 @@
           <a:p>
             <a:fld id="{7D26E315-97B5-ED48-A6E2-C8DD9A15D910}" type="datetime1">
               <a:rPr lang="en-US" smtClean="0"/>
-              <a:t>1/5/26</a:t>
+              <a:t>1/14/26</a:t>
             </a:fld>
             <a:endParaRPr lang="en-US"/>
           </a:p>
@@ -2891,7 +2891,7 @@
           <a:p>
             <a:fld id="{D75A9AD7-57B8-0C4A-8A03-28346052B0A0}" type="datetime1">
               <a:rPr lang="en-US" smtClean="0"/>
-              <a:t>1/5/26</a:t>
+              <a:t>1/14/26</a:t>
             </a:fld>
             <a:endParaRPr lang="en-US"/>
           </a:p>
@@ -3166,7 +3166,7 @@
           <a:p>
             <a:fld id="{21EEB905-CF7D-1745-9BAA-4C16AF2CEAF4}" type="datetime1">
               <a:rPr lang="en-US" smtClean="0"/>
-              <a:t>1/5/26</a:t>
+              <a:t>1/14/26</a:t>
             </a:fld>
             <a:endParaRPr lang="en-US"/>
           </a:p>
@@ -3418,7 +3418,7 @@
           <a:p>
             <a:fld id="{89AE0F5B-B811-174D-9EB6-CE24A856A7A0}" type="datetime1">
               <a:rPr lang="en-US" smtClean="0"/>
-              <a:t>1/5/26</a:t>
+              <a:t>1/14/26</a:t>
             </a:fld>
             <a:endParaRPr lang="en-US"/>
           </a:p>
@@ -3629,7 +3629,7 @@
           <a:p>
             <a:fld id="{C3A6EF79-F1A3-AF4A-9DED-9EDE600DAF86}" type="datetime1">
               <a:rPr lang="en-US" smtClean="0"/>
-              <a:t>1/5/26</a:t>
+              <a:t>1/14/26</a:t>
             </a:fld>
             <a:endParaRPr lang="en-US"/>
           </a:p>
@@ -6202,7 +6202,7 @@
         <p:spPr>
           <a:xfrm>
             <a:off x="310448" y="786357"/>
-            <a:ext cx="8660831" cy="3785652"/>
+            <a:ext cx="8660831" cy="4031873"/>
           </a:xfrm>
           <a:prstGeom prst="rect">
             <a:avLst/>
@@ -6228,6 +6228,16 @@
             </a:r>
           </a:p>
           <a:p>
+            <a:pPr marL="742950" lvl="1" indent="-285750" algn="just">
+              <a:buFont typeface="Arial" panose="020B0604020202020204" pitchFamily="34" charset="0"/>
+              <a:buChar char="•"/>
+            </a:pPr>
+            <a:r>
+              <a:rPr lang="en-US" sz="1600" dirty="0"/>
+              <a:t>I usually start at 3:30pm, end around 4:50pm, and stay to answer questions until 5pm</a:t>
+            </a:r>
+          </a:p>
+          <a:p>
             <a:pPr algn="just"/>
             <a:endParaRPr lang="en-US" sz="1600" dirty="0"/>
           </a:p>
@@ -6251,7 +6261,19 @@
               <a:rPr lang="en-US" sz="1600" dirty="0">
                 <a:hlinkClick r:id="rId2"/>
               </a:rPr>
-              <a:t>https://nikolaimatni.github.io/courses/ese6050-spring2025/index.html</a:t>
+              <a:t>https://nikolaimatni.github.io/courses/</a:t>
+            </a:r>
+            <a:r>
+              <a:rPr lang="en-US" sz="1600" dirty="0">
+                <a:hlinkClick r:id="rId2"/>
+              </a:rPr>
+              <a:t>ese6050-spring2026</a:t>
+            </a:r>
+            <a:r>
+              <a:rPr lang="en-US" sz="1600" dirty="0">
+                <a:hlinkClick r:id="rId2"/>
+              </a:rPr>
+              <a:t>/index.html</a:t>
             </a:r>
             <a:r>
               <a:rPr lang="en-US" sz="1600" dirty="0"/>
@@ -6351,7 +6373,7 @@
             </a:r>
             <a:r>
               <a:rPr lang="en-US" sz="1600" dirty="0"/>
-              <a:t>See Canvas.</a:t>
+              <a:t>See Canvas, will be finalized this week and start next week.</a:t>
             </a:r>
           </a:p>
           <a:p>
@@ -6368,16 +6390,15 @@
             </a:pPr>
             <a:r>
               <a:rPr lang="en-US" sz="1600" b="1" dirty="0"/>
-              <a:t>If you are trying to register: you need to join the waitlist on </a:t>
-            </a:r>
-            <a:r>
-              <a:rPr lang="en-US" sz="1600" b="1" dirty="0" err="1"/>
-              <a:t>Path@Penn</a:t>
-            </a:r>
-            <a:r>
-              <a:rPr lang="en-US" sz="1600" b="1" dirty="0"/>
-              <a:t> and fill out the Google form on the ESE website.  We are currently at capacity, but spots may open up.</a:t>
-            </a:r>
+              <a:t>If you are trying to register: Over 65 on waitlist; open seats are assigned to unused permits; unlikely you will get in the course if you aren’t already registered, sorry </a:t>
+            </a:r>
+            <a:r>
+              <a:rPr lang="en-US" sz="1600" b="1" dirty="0">
+                <a:sym typeface="Wingdings" pitchFamily="2" charset="2"/>
+              </a:rPr>
+              <a:t> </a:t>
+            </a:r>
+            <a:endParaRPr lang="en-US" sz="1600" b="1" dirty="0"/>
           </a:p>
         </p:txBody>
       </p:sp>
@@ -6488,7 +6509,7 @@
                                         <p:tgtEl>
                                           <p:spTgt spid="29">
                                             <p:txEl>
-                                              <p:pRg st="2" end="2"/>
+                                              <p:pRg st="1" end="1"/>
                                             </p:txEl>
                                           </p:spTgt>
                                         </p:tgtEl>
@@ -6506,7 +6527,7 @@
                                         <p:tgtEl>
                                           <p:spTgt spid="29">
                                             <p:txEl>
-                                              <p:pRg st="2" end="2"/>
+                                              <p:pRg st="1" end="1"/>
                                             </p:txEl>
                                           </p:spTgt>
                                         </p:tgtEl>
@@ -6549,7 +6570,7 @@
                                         <p:tgtEl>
                                           <p:spTgt spid="29">
                                             <p:txEl>
-                                              <p:pRg st="4" end="4"/>
+                                              <p:pRg st="3" end="3"/>
                                             </p:txEl>
                                           </p:spTgt>
                                         </p:tgtEl>
@@ -6567,7 +6588,7 @@
                                         <p:tgtEl>
                                           <p:spTgt spid="29">
                                             <p:txEl>
-                                              <p:pRg st="4" end="4"/>
+                                              <p:pRg st="3" end="3"/>
                                             </p:txEl>
                                           </p:spTgt>
                                         </p:tgtEl>
@@ -6610,7 +6631,7 @@
                                         <p:tgtEl>
                                           <p:spTgt spid="29">
                                             <p:txEl>
-                                              <p:pRg st="6" end="6"/>
+                                              <p:pRg st="5" end="5"/>
                                             </p:txEl>
                                           </p:spTgt>
                                         </p:tgtEl>
@@ -6628,7 +6649,7 @@
                                         <p:tgtEl>
                                           <p:spTgt spid="29">
                                             <p:txEl>
-                                              <p:pRg st="6" end="6"/>
+                                              <p:pRg st="5" end="5"/>
                                             </p:txEl>
                                           </p:spTgt>
                                         </p:tgtEl>
@@ -6671,7 +6692,7 @@
                                         <p:tgtEl>
                                           <p:spTgt spid="29">
                                             <p:txEl>
-                                              <p:pRg st="8" end="8"/>
+                                              <p:pRg st="7" end="7"/>
                                             </p:txEl>
                                           </p:spTgt>
                                         </p:tgtEl>
@@ -6689,7 +6710,7 @@
                                         <p:tgtEl>
                                           <p:spTgt spid="29">
                                             <p:txEl>
-                                              <p:pRg st="8" end="8"/>
+                                              <p:pRg st="7" end="7"/>
                                             </p:txEl>
                                           </p:spTgt>
                                         </p:tgtEl>
@@ -6732,7 +6753,7 @@
                                         <p:tgtEl>
                                           <p:spTgt spid="29">
                                             <p:txEl>
-                                              <p:pRg st="10" end="10"/>
+                                              <p:pRg st="9" end="9"/>
                                             </p:txEl>
                                           </p:spTgt>
                                         </p:tgtEl>
@@ -6750,7 +6771,7 @@
                                         <p:tgtEl>
                                           <p:spTgt spid="29">
                                             <p:txEl>
-                                              <p:pRg st="10" end="10"/>
+                                              <p:pRg st="9" end="9"/>
                                             </p:txEl>
                                           </p:spTgt>
                                         </p:tgtEl>
@@ -6793,7 +6814,7 @@
                                         <p:tgtEl>
                                           <p:spTgt spid="29">
                                             <p:txEl>
-                                              <p:pRg st="12" end="12"/>
+                                              <p:pRg st="11" end="11"/>
                                             </p:txEl>
                                           </p:spTgt>
                                         </p:tgtEl>
@@ -6811,7 +6832,68 @@
                                         <p:tgtEl>
                                           <p:spTgt spid="29">
                                             <p:txEl>
-                                              <p:pRg st="12" end="12"/>
+                                              <p:pRg st="11" end="11"/>
+                                            </p:txEl>
+                                          </p:spTgt>
+                                        </p:tgtEl>
+                                      </p:cBhvr>
+                                    </p:animEffect>
+                                  </p:childTnLst>
+                                </p:cTn>
+                              </p:par>
+                            </p:childTnLst>
+                          </p:cTn>
+                        </p:par>
+                      </p:childTnLst>
+                    </p:cTn>
+                  </p:par>
+                  <p:par>
+                    <p:cTn id="38" fill="hold">
+                      <p:stCondLst>
+                        <p:cond delay="indefinite"/>
+                      </p:stCondLst>
+                      <p:childTnLst>
+                        <p:par>
+                          <p:cTn id="39" fill="hold">
+                            <p:stCondLst>
+                              <p:cond delay="0"/>
+                            </p:stCondLst>
+                            <p:childTnLst>
+                              <p:par>
+                                <p:cTn id="40" presetID="9" presetClass="entr" presetSubtype="0" fill="hold" nodeType="clickEffect">
+                                  <p:stCondLst>
+                                    <p:cond delay="0"/>
+                                  </p:stCondLst>
+                                  <p:childTnLst>
+                                    <p:set>
+                                      <p:cBhvr>
+                                        <p:cTn id="41" dur="1" fill="hold">
+                                          <p:stCondLst>
+                                            <p:cond delay="0"/>
+                                          </p:stCondLst>
+                                        </p:cTn>
+                                        <p:tgtEl>
+                                          <p:spTgt spid="29">
+                                            <p:txEl>
+                                              <p:pRg st="13" end="13"/>
+                                            </p:txEl>
+                                          </p:spTgt>
+                                        </p:tgtEl>
+                                        <p:attrNameLst>
+                                          <p:attrName>style.visibility</p:attrName>
+                                        </p:attrNameLst>
+                                      </p:cBhvr>
+                                      <p:to>
+                                        <p:strVal val="visible"/>
+                                      </p:to>
+                                    </p:set>
+                                    <p:animEffect transition="in" filter="dissolve">
+                                      <p:cBhvr>
+                                        <p:cTn id="42" dur="500"/>
+                                        <p:tgtEl>
+                                          <p:spTgt spid="29">
+                                            <p:txEl>
+                                              <p:pRg st="13" end="13"/>
                                             </p:txEl>
                                           </p:spTgt>
                                         </p:tgtEl>
